--- a/Mission2/20160535_Mission2.pptx
+++ b/Mission2/20160535_Mission2.pptx
@@ -5,25 +5,24 @@
     <p:sldMasterId id="2147483648" r:id="rId1"/>
   </p:sldMasterIdLst>
   <p:notesMasterIdLst>
-    <p:notesMasterId r:id="rId15"/>
+    <p:notesMasterId r:id="rId14"/>
   </p:notesMasterIdLst>
   <p:handoutMasterIdLst>
-    <p:handoutMasterId r:id="rId16"/>
+    <p:handoutMasterId r:id="rId15"/>
   </p:handoutMasterIdLst>
   <p:sldIdLst>
     <p:sldId id="256" r:id="rId2"/>
     <p:sldId id="331" r:id="rId3"/>
     <p:sldId id="332" r:id="rId4"/>
     <p:sldId id="340" r:id="rId5"/>
-    <p:sldId id="334" r:id="rId6"/>
-    <p:sldId id="337" r:id="rId7"/>
-    <p:sldId id="338" r:id="rId8"/>
-    <p:sldId id="339" r:id="rId9"/>
-    <p:sldId id="341" r:id="rId10"/>
-    <p:sldId id="342" r:id="rId11"/>
-    <p:sldId id="335" r:id="rId12"/>
-    <p:sldId id="344" r:id="rId13"/>
-    <p:sldId id="336" r:id="rId14"/>
+    <p:sldId id="337" r:id="rId6"/>
+    <p:sldId id="338" r:id="rId7"/>
+    <p:sldId id="339" r:id="rId8"/>
+    <p:sldId id="341" r:id="rId9"/>
+    <p:sldId id="342" r:id="rId10"/>
+    <p:sldId id="335" r:id="rId11"/>
+    <p:sldId id="344" r:id="rId12"/>
+    <p:sldId id="336" r:id="rId13"/>
   </p:sldIdLst>
   <p:sldSz cx="9144000" cy="6858000" type="screen4x3"/>
   <p:notesSz cx="6797675" cy="9928225"/>
@@ -238,7 +237,7 @@
             <a:fld id="{32D775BE-C6BE-4693-89F2-2BB868ACE2B8}" type="datetimeFigureOut">
               <a:rPr lang="ko-KR" altLang="en-US" smtClean="0"/>
               <a:pPr/>
-              <a:t>2020-04-18</a:t>
+              <a:t>2020-04-20</a:t>
             </a:fld>
             <a:endParaRPr lang="ko-KR" altLang="en-US"/>
           </a:p>
@@ -405,7 +404,7 @@
             <a:fld id="{F615432D-389C-4E33-B1B2-DB0A03BA77B4}" type="datetimeFigureOut">
               <a:rPr lang="ko-KR" altLang="en-US" smtClean="0"/>
               <a:pPr/>
-              <a:t>2020-04-18</a:t>
+              <a:t>2020-04-20</a:t>
             </a:fld>
             <a:endParaRPr lang="ko-KR" altLang="en-US"/>
           </a:p>
@@ -941,7 +940,7 @@
           <a:p>
             <a:fld id="{123C62B4-2363-411B-8882-9B88D4D6E715}" type="datetime1">
               <a:rPr lang="ko-KR" altLang="en-US" smtClean="0"/>
-              <a:t>2020-04-18</a:t>
+              <a:t>2020-04-20</a:t>
             </a:fld>
             <a:endParaRPr lang="ko-KR" altLang="en-US"/>
           </a:p>
@@ -1212,7 +1211,7 @@
           <a:p>
             <a:fld id="{47524B00-40C7-47A1-9AA9-922EA4BE7413}" type="datetime1">
               <a:rPr lang="ko-KR" altLang="en-US" smtClean="0"/>
-              <a:t>2020-04-18</a:t>
+              <a:t>2020-04-20</a:t>
             </a:fld>
             <a:endParaRPr lang="ko-KR" altLang="en-US"/>
           </a:p>
@@ -1460,7 +1459,7 @@
           <a:p>
             <a:fld id="{3130B0EC-9CCB-4537-A0CD-3AA8F465CF47}" type="datetime1">
               <a:rPr lang="ko-KR" altLang="en-US" smtClean="0"/>
-              <a:t>2020-04-18</a:t>
+              <a:t>2020-04-20</a:t>
             </a:fld>
             <a:endParaRPr lang="ko-KR" altLang="en-US"/>
           </a:p>
@@ -1624,7 +1623,7 @@
           <a:p>
             <a:fld id="{B317F875-D1E3-4171-8580-1AC26116667B}" type="datetime1">
               <a:rPr lang="ko-KR" altLang="en-US" smtClean="0"/>
-              <a:t>2020-04-18</a:t>
+              <a:t>2020-04-20</a:t>
             </a:fld>
             <a:endParaRPr lang="ko-KR" altLang="en-US"/>
           </a:p>
@@ -1798,7 +1797,7 @@
           <a:p>
             <a:fld id="{51EE2959-63A9-4963-B2F1-8B4A0DB330AF}" type="datetime1">
               <a:rPr lang="ko-KR" altLang="en-US" smtClean="0"/>
-              <a:t>2020-04-18</a:t>
+              <a:t>2020-04-20</a:t>
             </a:fld>
             <a:endParaRPr lang="ko-KR" altLang="en-US"/>
           </a:p>
@@ -1964,7 +1963,7 @@
           <a:p>
             <a:fld id="{EC283561-DDB3-4D4D-A2B0-1ED097361519}" type="datetime1">
               <a:rPr lang="ko-KR" altLang="en-US" smtClean="0"/>
-              <a:t>2020-04-18</a:t>
+              <a:t>2020-04-20</a:t>
             </a:fld>
             <a:endParaRPr lang="ko-KR" altLang="en-US"/>
           </a:p>
@@ -2077,7 +2076,7 @@
           <a:p>
             <a:fld id="{A484EB57-AE51-4933-9B15-8F72F41E9CCF}" type="datetime1">
               <a:rPr lang="ko-KR" altLang="en-US" smtClean="0"/>
-              <a:t>2020-04-18</a:t>
+              <a:t>2020-04-20</a:t>
             </a:fld>
             <a:endParaRPr lang="ko-KR" altLang="en-US"/>
           </a:p>
@@ -2190,7 +2189,7 @@
           <a:p>
             <a:fld id="{0B4437A2-2483-4C98-BE23-08E8D393CE35}" type="datetime1">
               <a:rPr lang="ko-KR" altLang="en-US" smtClean="0"/>
-              <a:t>2020-04-18</a:t>
+              <a:t>2020-04-20</a:t>
             </a:fld>
             <a:endParaRPr lang="ko-KR" altLang="en-US"/>
           </a:p>
@@ -2431,7 +2430,7 @@
           <a:p>
             <a:fld id="{CC83C9AB-4356-4B75-837B-F11320A131CF}" type="datetime1">
               <a:rPr lang="ko-KR" altLang="en-US" smtClean="0"/>
-              <a:t>2020-04-18</a:t>
+              <a:t>2020-04-20</a:t>
             </a:fld>
             <a:endParaRPr lang="ko-KR" altLang="en-US"/>
           </a:p>
@@ -2712,7 +2711,7 @@
           <a:p>
             <a:fld id="{98EBA0C1-A54B-40B4-80A8-BAB81DECDF2E}" type="datetime1">
               <a:rPr lang="ko-KR" altLang="en-US" smtClean="0"/>
-              <a:t>2020-04-18</a:t>
+              <a:t>2020-04-20</a:t>
             </a:fld>
             <a:endParaRPr lang="ko-KR" altLang="en-US"/>
           </a:p>
@@ -3127,7 +3126,7 @@
           <a:p>
             <a:fld id="{4CFFADEB-2866-45E6-AE0C-F5804B119E4D}" type="datetime1">
               <a:rPr lang="ko-KR" altLang="en-US" smtClean="0"/>
-              <a:t>2020-04-18</a:t>
+              <a:t>2020-04-20</a:t>
             </a:fld>
             <a:endParaRPr lang="ko-KR" altLang="en-US"/>
           </a:p>
@@ -3240,7 +3239,7 @@
           <a:p>
             <a:fld id="{2CB6887B-7C0A-4BB2-A422-DD09456A17E9}" type="datetime1">
               <a:rPr lang="ko-KR" altLang="en-US" smtClean="0"/>
-              <a:t>2020-04-18</a:t>
+              <a:t>2020-04-20</a:t>
             </a:fld>
             <a:endParaRPr lang="ko-KR" altLang="en-US"/>
           </a:p>
@@ -3331,7 +3330,7 @@
           <a:p>
             <a:fld id="{2417355B-E82F-4F42-BFC2-7004DCA2FF95}" type="datetime1">
               <a:rPr lang="ko-KR" altLang="en-US" smtClean="0"/>
-              <a:t>2020-04-18</a:t>
+              <a:t>2020-04-20</a:t>
             </a:fld>
             <a:endParaRPr lang="ko-KR" altLang="en-US"/>
           </a:p>
@@ -3524,7 +3523,7 @@
           <a:p>
             <a:fld id="{39AE30F9-060A-4327-BFA8-BCD2DB671DCC}" type="datetime1">
               <a:rPr lang="ko-KR" altLang="en-US" smtClean="0"/>
-              <a:t>2020-04-18</a:t>
+              <a:t>2020-04-20</a:t>
             </a:fld>
             <a:endParaRPr lang="ko-KR" altLang="en-US"/>
           </a:p>
@@ -4284,132 +4283,6 @@
       </p:grpSpPr>
       <p:sp>
         <p:nvSpPr>
-          <p:cNvPr id="4" name="슬라이드 번호 개체 틀 3">
-            <a:extLst>
-              <a:ext uri="{FF2B5EF4-FFF2-40B4-BE49-F238E27FC236}">
-                <a16:creationId xmlns:a16="http://schemas.microsoft.com/office/drawing/2014/main" id="{3C545C91-FCA0-4080-BF6E-AD51789CA9FB}"/>
-              </a:ext>
-            </a:extLst>
-          </p:cNvPr>
-          <p:cNvSpPr>
-            <a:spLocks noGrp="1"/>
-          </p:cNvSpPr>
-          <p:nvPr>
-            <p:ph type="sldNum" sz="quarter" idx="12"/>
-          </p:nvPr>
-        </p:nvSpPr>
-        <p:spPr/>
-        <p:txBody>
-          <a:bodyPr/>
-          <a:lstStyle/>
-          <a:p>
-            <a:fld id="{8B13A9AF-F29E-4D48-BC7C-64D5E028A74A}" type="slidenum">
-              <a:rPr lang="ko-KR" altLang="en-US" smtClean="0"/>
-              <a:pPr/>
-              <a:t>10</a:t>
-            </a:fld>
-            <a:endParaRPr lang="ko-KR" altLang="en-US" dirty="0"/>
-          </a:p>
-        </p:txBody>
-      </p:sp>
-      <p:pic>
-        <p:nvPicPr>
-          <p:cNvPr id="7" name="그림 6" descr="그리기이(가) 표시된 사진&#10;&#10;자동 생성된 설명">
-            <a:extLst>
-              <a:ext uri="{FF2B5EF4-FFF2-40B4-BE49-F238E27FC236}">
-                <a16:creationId xmlns:a16="http://schemas.microsoft.com/office/drawing/2014/main" id="{0050AA39-89A2-4221-8825-31BC05649B01}"/>
-              </a:ext>
-            </a:extLst>
-          </p:cNvPr>
-          <p:cNvPicPr>
-            <a:picLocks noChangeAspect="1"/>
-          </p:cNvPicPr>
-          <p:nvPr/>
-        </p:nvPicPr>
-        <p:blipFill>
-          <a:blip r:embed="rId2">
-            <a:extLst>
-              <a:ext uri="{28A0092B-C50C-407E-A947-70E740481C1C}">
-                <a14:useLocalDpi xmlns:a14="http://schemas.microsoft.com/office/drawing/2010/main" val="0"/>
-              </a:ext>
-            </a:extLst>
-          </a:blip>
-          <a:stretch>
-            <a:fillRect/>
-          </a:stretch>
-        </p:blipFill>
-        <p:spPr>
-          <a:xfrm>
-            <a:off x="107504" y="260647"/>
-            <a:ext cx="6445696" cy="1966945"/>
-          </a:xfrm>
-          <a:prstGeom prst="rect">
-            <a:avLst/>
-          </a:prstGeom>
-        </p:spPr>
-      </p:pic>
-      <p:pic>
-        <p:nvPicPr>
-          <p:cNvPr id="2" name="그림 1">
-            <a:extLst>
-              <a:ext uri="{FF2B5EF4-FFF2-40B4-BE49-F238E27FC236}">
-                <a16:creationId xmlns:a16="http://schemas.microsoft.com/office/drawing/2014/main" id="{34F9EA67-06F9-4E73-AFCF-D7502BB4B177}"/>
-              </a:ext>
-            </a:extLst>
-          </p:cNvPr>
-          <p:cNvPicPr>
-            <a:picLocks noChangeAspect="1"/>
-          </p:cNvPicPr>
-          <p:nvPr/>
-        </p:nvPicPr>
-        <p:blipFill>
-          <a:blip r:embed="rId3"/>
-          <a:stretch>
-            <a:fillRect/>
-          </a:stretch>
-        </p:blipFill>
-        <p:spPr>
-          <a:xfrm>
-            <a:off x="1035427" y="2348880"/>
-            <a:ext cx="8108573" cy="4509120"/>
-          </a:xfrm>
-          <a:prstGeom prst="rect">
-            <a:avLst/>
-          </a:prstGeom>
-        </p:spPr>
-      </p:pic>
-    </p:spTree>
-    <p:extLst>
-      <p:ext uri="{BB962C8B-B14F-4D97-AF65-F5344CB8AC3E}">
-        <p14:creationId xmlns:p14="http://schemas.microsoft.com/office/powerpoint/2010/main" val="2765221255"/>
-      </p:ext>
-    </p:extLst>
-  </p:cSld>
-  <p:clrMapOvr>
-    <a:masterClrMapping/>
-  </p:clrMapOvr>
-</p:sld>
-</file>
-
-<file path=ppt/slides/slide11.xml><?xml version="1.0" encoding="utf-8"?>
-<p:sld xmlns:a="http://schemas.openxmlformats.org/drawingml/2006/main" xmlns:r="http://schemas.openxmlformats.org/officeDocument/2006/relationships" xmlns:p="http://schemas.openxmlformats.org/presentationml/2006/main">
-  <p:cSld>
-    <p:spTree>
-      <p:nvGrpSpPr>
-        <p:cNvPr id="1" name=""/>
-        <p:cNvGrpSpPr/>
-        <p:nvPr/>
-      </p:nvGrpSpPr>
-      <p:grpSpPr>
-        <a:xfrm>
-          <a:off x="0" y="0"/>
-          <a:ext cx="0" cy="0"/>
-          <a:chOff x="0" y="0"/>
-          <a:chExt cx="0" cy="0"/>
-        </a:xfrm>
-      </p:grpSpPr>
-      <p:sp>
-        <p:nvSpPr>
           <p:cNvPr id="2" name="제목 1">
             <a:extLst>
               <a:ext uri="{FF2B5EF4-FFF2-40B4-BE49-F238E27FC236}">
@@ -4493,7 +4366,7 @@
             <a:fld id="{8B13A9AF-F29E-4D48-BC7C-64D5E028A74A}" type="slidenum">
               <a:rPr lang="ko-KR" altLang="en-US" smtClean="0"/>
               <a:pPr/>
-              <a:t>11</a:t>
+              <a:t>10</a:t>
             </a:fld>
             <a:endParaRPr lang="ko-KR" altLang="en-US" dirty="0"/>
           </a:p>
@@ -4548,7 +4421,7 @@
 </p:sld>
 </file>
 
-<file path=ppt/slides/slide12.xml><?xml version="1.0" encoding="utf-8"?>
+<file path=ppt/slides/slide11.xml><?xml version="1.0" encoding="utf-8"?>
 <p:sld xmlns:a="http://schemas.openxmlformats.org/drawingml/2006/main" xmlns:r="http://schemas.openxmlformats.org/officeDocument/2006/relationships" xmlns:p="http://schemas.openxmlformats.org/presentationml/2006/main">
   <p:cSld>
     <p:spTree>
@@ -4650,7 +4523,7 @@
             <a:fld id="{8B13A9AF-F29E-4D48-BC7C-64D5E028A74A}" type="slidenum">
               <a:rPr lang="ko-KR" altLang="en-US" smtClean="0"/>
               <a:pPr/>
-              <a:t>12</a:t>
+              <a:t>11</a:t>
             </a:fld>
             <a:endParaRPr lang="ko-KR" altLang="en-US" dirty="0"/>
           </a:p>
@@ -4705,7 +4578,7 @@
 </p:sld>
 </file>
 
-<file path=ppt/slides/slide13.xml><?xml version="1.0" encoding="utf-8"?>
+<file path=ppt/slides/slide12.xml><?xml version="1.0" encoding="utf-8"?>
 <p:sld xmlns:a="http://schemas.openxmlformats.org/drawingml/2006/main" xmlns:r="http://schemas.openxmlformats.org/officeDocument/2006/relationships" xmlns:p="http://schemas.openxmlformats.org/presentationml/2006/main">
   <p:cSld>
     <p:spTree>
@@ -4898,7 +4771,7 @@
             <a:fld id="{8B13A9AF-F29E-4D48-BC7C-64D5E028A74A}" type="slidenum">
               <a:rPr lang="ko-KR" altLang="en-US" smtClean="0"/>
               <a:pPr/>
-              <a:t>13</a:t>
+              <a:t>12</a:t>
             </a:fld>
             <a:endParaRPr lang="ko-KR" altLang="en-US" dirty="0"/>
           </a:p>
@@ -4972,44 +4845,57 @@
           <a:lstStyle/>
           <a:p>
             <a:r>
+              <a:rPr lang="ko-KR" altLang="en-US" dirty="0"/>
+              <a:t>필요성 </a:t>
+            </a:r>
+            <a:r>
+              <a:rPr lang="en-US" altLang="ko-KR" dirty="0"/>
+              <a:t>1</a:t>
+            </a:r>
+          </a:p>
+          <a:p>
+            <a:pPr lvl="1"/>
+            <a:r>
+              <a:rPr lang="ko-KR" altLang="en-US" dirty="0"/>
+              <a:t>내 집 앞에 </a:t>
+            </a:r>
+            <a:r>
               <a:rPr lang="en-US" altLang="ko-KR" dirty="0"/>
               <a:t>CCTV</a:t>
             </a:r>
             <a:r>
               <a:rPr lang="ko-KR" altLang="en-US" dirty="0"/>
-              <a:t> 개수가 범죄 검거에 영향을 미치는지 알아본다</a:t>
+              <a:t>가 있는데 이 </a:t>
             </a:r>
             <a:r>
               <a:rPr lang="en-US" altLang="ko-KR" dirty="0"/>
-              <a:t>.</a:t>
+              <a:t>CCTV </a:t>
+            </a:r>
+            <a:r>
+              <a:rPr lang="ko-KR" altLang="en-US" dirty="0"/>
+              <a:t>한 대가 어떤 효용을 가져올까</a:t>
+            </a:r>
+            <a:r>
+              <a:rPr lang="en-US" altLang="ko-KR" dirty="0"/>
+              <a:t>?</a:t>
             </a:r>
           </a:p>
           <a:p>
             <a:pPr lvl="1"/>
-            <a:r>
-              <a:rPr lang="ko-KR" altLang="en-US" dirty="0"/>
-              <a:t>내 집 앞에 </a:t>
-            </a:r>
             <a:r>
               <a:rPr lang="en-US" altLang="ko-KR" dirty="0"/>
               <a:t>CCTV</a:t>
             </a:r>
             <a:r>
               <a:rPr lang="ko-KR" altLang="en-US" dirty="0"/>
-              <a:t>가 있는데 이 </a:t>
-            </a:r>
-            <a:r>
-              <a:rPr lang="en-US" altLang="ko-KR" dirty="0"/>
-              <a:t>CCTV </a:t>
-            </a:r>
-            <a:r>
-              <a:rPr lang="ko-KR" altLang="en-US" dirty="0"/>
-              <a:t>한 대가 어떤 효용을 가져올까</a:t>
-            </a:r>
-            <a:r>
-              <a:rPr lang="en-US" altLang="ko-KR" dirty="0"/>
-              <a:t>?</a:t>
-            </a:r>
+              <a:t> 개수가 범죄 검거에 영향을 미치는지 알아본다</a:t>
+            </a:r>
+            <a:endParaRPr lang="en-US" altLang="ko-KR" dirty="0"/>
+          </a:p>
+          <a:p>
+            <a:pPr marL="457200" lvl="1" indent="0">
+              <a:buNone/>
+            </a:pPr>
             <a:br>
               <a:rPr lang="en-US" altLang="ko-KR" dirty="0"/>
             </a:br>
@@ -5021,11 +4907,22 @@
           <a:p>
             <a:r>
               <a:rPr lang="ko-KR" altLang="en-US" dirty="0"/>
-              <a:t>각 구별로 발생되는 검거율을 비교한다</a:t>
+              <a:t>필요성 </a:t>
             </a:r>
             <a:r>
               <a:rPr lang="en-US" altLang="ko-KR" dirty="0"/>
-              <a:t>.</a:t>
+              <a:t>2</a:t>
+            </a:r>
+          </a:p>
+          <a:p>
+            <a:pPr lvl="1"/>
+            <a:r>
+              <a:rPr lang="ko-KR" altLang="en-US" dirty="0"/>
+              <a:t>어느 구가 살기에 안전할까</a:t>
+            </a:r>
+            <a:r>
+              <a:rPr lang="en-US" altLang="ko-KR" dirty="0"/>
+              <a:t>?</a:t>
             </a:r>
           </a:p>
           <a:p>
@@ -5567,334 +5464,6 @@
           <p:cNvPr id="2" name="제목 1">
             <a:extLst>
               <a:ext uri="{FF2B5EF4-FFF2-40B4-BE49-F238E27FC236}">
-                <a16:creationId xmlns:a16="http://schemas.microsoft.com/office/drawing/2014/main" id="{6E8C12D7-A6CF-4C8D-924D-D74C73DED3FC}"/>
-              </a:ext>
-            </a:extLst>
-          </p:cNvPr>
-          <p:cNvSpPr>
-            <a:spLocks noGrp="1"/>
-          </p:cNvSpPr>
-          <p:nvPr>
-            <p:ph type="title"/>
-          </p:nvPr>
-        </p:nvSpPr>
-        <p:spPr/>
-        <p:txBody>
-          <a:bodyPr/>
-          <a:lstStyle/>
-          <a:p>
-            <a:r>
-              <a:rPr lang="en-US" altLang="ko-KR" dirty="0"/>
-              <a:t>BAR </a:t>
-            </a:r>
-            <a:r>
-              <a:rPr lang="ko-KR" altLang="en-US" dirty="0"/>
-              <a:t>그래프</a:t>
-            </a:r>
-          </a:p>
-        </p:txBody>
-      </p:sp>
-      <p:sp>
-        <p:nvSpPr>
-          <p:cNvPr id="3" name="내용 개체 틀 2">
-            <a:extLst>
-              <a:ext uri="{FF2B5EF4-FFF2-40B4-BE49-F238E27FC236}">
-                <a16:creationId xmlns:a16="http://schemas.microsoft.com/office/drawing/2014/main" id="{99DCEEEF-72A7-467D-9B2F-E9DF96F65E50}"/>
-              </a:ext>
-            </a:extLst>
-          </p:cNvPr>
-          <p:cNvSpPr>
-            <a:spLocks noGrp="1"/>
-          </p:cNvSpPr>
-          <p:nvPr>
-            <p:ph idx="1"/>
-          </p:nvPr>
-        </p:nvSpPr>
-        <p:spPr>
-          <a:xfrm>
-            <a:off x="467544" y="1268760"/>
-            <a:ext cx="8229600" cy="1440160"/>
-          </a:xfrm>
-        </p:spPr>
-        <p:txBody>
-          <a:bodyPr/>
-          <a:lstStyle/>
-          <a:p>
-            <a:r>
-              <a:rPr lang="ko-KR" altLang="en-US" dirty="0"/>
-              <a:t>지역구 별 카메라 대수</a:t>
-            </a:r>
-            <a:endParaRPr lang="en-US" altLang="ko-KR" dirty="0"/>
-          </a:p>
-          <a:p>
-            <a:pPr lvl="1"/>
-            <a:r>
-              <a:rPr lang="ko-KR" altLang="en-US" dirty="0"/>
-              <a:t>구 별 카메라 대수를 한눈에 알아볼 수 있도록 </a:t>
-            </a:r>
-            <a:r>
-              <a:rPr lang="en-US" altLang="ko-KR" dirty="0"/>
-              <a:t>BAR </a:t>
-            </a:r>
-            <a:r>
-              <a:rPr lang="ko-KR" altLang="en-US" dirty="0"/>
-              <a:t>그래프 생성</a:t>
-            </a:r>
-            <a:endParaRPr lang="en-US" altLang="ko-KR" dirty="0"/>
-          </a:p>
-        </p:txBody>
-      </p:sp>
-      <p:sp>
-        <p:nvSpPr>
-          <p:cNvPr id="4" name="슬라이드 번호 개체 틀 3">
-            <a:extLst>
-              <a:ext uri="{FF2B5EF4-FFF2-40B4-BE49-F238E27FC236}">
-                <a16:creationId xmlns:a16="http://schemas.microsoft.com/office/drawing/2014/main" id="{60B28FED-C3F3-483B-B87D-4ABE5A66FECC}"/>
-              </a:ext>
-            </a:extLst>
-          </p:cNvPr>
-          <p:cNvSpPr>
-            <a:spLocks noGrp="1"/>
-          </p:cNvSpPr>
-          <p:nvPr>
-            <p:ph type="sldNum" sz="quarter" idx="12"/>
-          </p:nvPr>
-        </p:nvSpPr>
-        <p:spPr/>
-        <p:txBody>
-          <a:bodyPr/>
-          <a:lstStyle/>
-          <a:p>
-            <a:fld id="{8B13A9AF-F29E-4D48-BC7C-64D5E028A74A}" type="slidenum">
-              <a:rPr lang="ko-KR" altLang="en-US" smtClean="0"/>
-              <a:pPr/>
-              <a:t>5</a:t>
-            </a:fld>
-            <a:endParaRPr lang="ko-KR" altLang="en-US" dirty="0"/>
-          </a:p>
-        </p:txBody>
-      </p:sp>
-      <p:pic>
-        <p:nvPicPr>
-          <p:cNvPr id="6" name="그림 5" descr="그리기이(가) 표시된 사진&#10;&#10;자동 생성된 설명">
-            <a:extLst>
-              <a:ext uri="{FF2B5EF4-FFF2-40B4-BE49-F238E27FC236}">
-                <a16:creationId xmlns:a16="http://schemas.microsoft.com/office/drawing/2014/main" id="{BEB05F73-8C08-4682-ADC7-194E10D63CC2}"/>
-              </a:ext>
-            </a:extLst>
-          </p:cNvPr>
-          <p:cNvPicPr>
-            <a:picLocks noChangeAspect="1"/>
-          </p:cNvPicPr>
-          <p:nvPr/>
-        </p:nvPicPr>
-        <p:blipFill>
-          <a:blip r:embed="rId2">
-            <a:extLst>
-              <a:ext uri="{28A0092B-C50C-407E-A947-70E740481C1C}">
-                <a14:useLocalDpi xmlns:a14="http://schemas.microsoft.com/office/drawing/2010/main" val="0"/>
-              </a:ext>
-            </a:extLst>
-          </a:blip>
-          <a:stretch>
-            <a:fillRect/>
-          </a:stretch>
-        </p:blipFill>
-        <p:spPr>
-          <a:xfrm>
-            <a:off x="-108520" y="3237755"/>
-            <a:ext cx="9144000" cy="2924822"/>
-          </a:xfrm>
-          <a:prstGeom prst="rect">
-            <a:avLst/>
-          </a:prstGeom>
-        </p:spPr>
-      </p:pic>
-      <p:sp>
-        <p:nvSpPr>
-          <p:cNvPr id="7" name="타원 6">
-            <a:extLst>
-              <a:ext uri="{FF2B5EF4-FFF2-40B4-BE49-F238E27FC236}">
-                <a16:creationId xmlns:a16="http://schemas.microsoft.com/office/drawing/2014/main" id="{C73241BB-334C-4CE4-842E-17FDB5B2FDF8}"/>
-              </a:ext>
-            </a:extLst>
-          </p:cNvPr>
-          <p:cNvSpPr/>
-          <p:nvPr/>
-        </p:nvSpPr>
-        <p:spPr>
-          <a:xfrm>
-            <a:off x="323528" y="5424360"/>
-            <a:ext cx="720080" cy="687074"/>
-          </a:xfrm>
-          <a:prstGeom prst="ellipse">
-            <a:avLst/>
-          </a:prstGeom>
-          <a:noFill/>
-          <a:ln>
-            <a:solidFill>
-              <a:schemeClr val="tx1"/>
-            </a:solidFill>
-          </a:ln>
-        </p:spPr>
-        <p:style>
-          <a:lnRef idx="2">
-            <a:schemeClr val="accent1"/>
-          </a:lnRef>
-          <a:fillRef idx="1">
-            <a:schemeClr val="lt1"/>
-          </a:fillRef>
-          <a:effectRef idx="0">
-            <a:schemeClr val="accent1"/>
-          </a:effectRef>
-          <a:fontRef idx="minor">
-            <a:schemeClr val="dk1"/>
-          </a:fontRef>
-        </p:style>
-        <p:txBody>
-          <a:bodyPr rtlCol="0" anchor="ctr"/>
-          <a:lstStyle/>
-          <a:p>
-            <a:pPr algn="ctr"/>
-            <a:endParaRPr lang="ko-KR" altLang="en-US"/>
-          </a:p>
-        </p:txBody>
-      </p:sp>
-      <p:sp>
-        <p:nvSpPr>
-          <p:cNvPr id="13" name="타원 12">
-            <a:extLst>
-              <a:ext uri="{FF2B5EF4-FFF2-40B4-BE49-F238E27FC236}">
-                <a16:creationId xmlns:a16="http://schemas.microsoft.com/office/drawing/2014/main" id="{AFE13ABA-C90B-421F-ACEA-27C0EC439268}"/>
-              </a:ext>
-            </a:extLst>
-          </p:cNvPr>
-          <p:cNvSpPr/>
-          <p:nvPr/>
-        </p:nvSpPr>
-        <p:spPr>
-          <a:xfrm>
-            <a:off x="1331640" y="5521247"/>
-            <a:ext cx="720080" cy="687074"/>
-          </a:xfrm>
-          <a:prstGeom prst="ellipse">
-            <a:avLst/>
-          </a:prstGeom>
-          <a:noFill/>
-          <a:ln>
-            <a:solidFill>
-              <a:schemeClr val="tx1"/>
-            </a:solidFill>
-          </a:ln>
-        </p:spPr>
-        <p:style>
-          <a:lnRef idx="2">
-            <a:schemeClr val="accent1"/>
-          </a:lnRef>
-          <a:fillRef idx="1">
-            <a:schemeClr val="lt1"/>
-          </a:fillRef>
-          <a:effectRef idx="0">
-            <a:schemeClr val="accent1"/>
-          </a:effectRef>
-          <a:fontRef idx="minor">
-            <a:schemeClr val="dk1"/>
-          </a:fontRef>
-        </p:style>
-        <p:txBody>
-          <a:bodyPr rtlCol="0" anchor="ctr"/>
-          <a:lstStyle/>
-          <a:p>
-            <a:pPr algn="ctr"/>
-            <a:endParaRPr lang="ko-KR" altLang="en-US"/>
-          </a:p>
-        </p:txBody>
-      </p:sp>
-      <p:sp>
-        <p:nvSpPr>
-          <p:cNvPr id="14" name="타원 13">
-            <a:extLst>
-              <a:ext uri="{FF2B5EF4-FFF2-40B4-BE49-F238E27FC236}">
-                <a16:creationId xmlns:a16="http://schemas.microsoft.com/office/drawing/2014/main" id="{A0804640-5712-4693-8D52-CF81B72FBD43}"/>
-              </a:ext>
-            </a:extLst>
-          </p:cNvPr>
-          <p:cNvSpPr/>
-          <p:nvPr/>
-        </p:nvSpPr>
-        <p:spPr>
-          <a:xfrm>
-            <a:off x="8099376" y="5521247"/>
-            <a:ext cx="720080" cy="687074"/>
-          </a:xfrm>
-          <a:prstGeom prst="ellipse">
-            <a:avLst/>
-          </a:prstGeom>
-          <a:noFill/>
-          <a:ln>
-            <a:solidFill>
-              <a:schemeClr val="tx1"/>
-            </a:solidFill>
-          </a:ln>
-        </p:spPr>
-        <p:style>
-          <a:lnRef idx="2">
-            <a:schemeClr val="accent1"/>
-          </a:lnRef>
-          <a:fillRef idx="1">
-            <a:schemeClr val="lt1"/>
-          </a:fillRef>
-          <a:effectRef idx="0">
-            <a:schemeClr val="accent1"/>
-          </a:effectRef>
-          <a:fontRef idx="minor">
-            <a:schemeClr val="dk1"/>
-          </a:fontRef>
-        </p:style>
-        <p:txBody>
-          <a:bodyPr rtlCol="0" anchor="ctr"/>
-          <a:lstStyle/>
-          <a:p>
-            <a:pPr algn="ctr"/>
-            <a:endParaRPr lang="ko-KR" altLang="en-US"/>
-          </a:p>
-        </p:txBody>
-      </p:sp>
-    </p:spTree>
-    <p:extLst>
-      <p:ext uri="{BB962C8B-B14F-4D97-AF65-F5344CB8AC3E}">
-        <p14:creationId xmlns:p14="http://schemas.microsoft.com/office/powerpoint/2010/main" val="1323194478"/>
-      </p:ext>
-    </p:extLst>
-  </p:cSld>
-  <p:clrMapOvr>
-    <a:masterClrMapping/>
-  </p:clrMapOvr>
-</p:sld>
-</file>
-
-<file path=ppt/slides/slide6.xml><?xml version="1.0" encoding="utf-8"?>
-<p:sld xmlns:a="http://schemas.openxmlformats.org/drawingml/2006/main" xmlns:r="http://schemas.openxmlformats.org/officeDocument/2006/relationships" xmlns:p="http://schemas.openxmlformats.org/presentationml/2006/main">
-  <p:cSld>
-    <p:spTree>
-      <p:nvGrpSpPr>
-        <p:cNvPr id="1" name=""/>
-        <p:cNvGrpSpPr/>
-        <p:nvPr/>
-      </p:nvGrpSpPr>
-      <p:grpSpPr>
-        <a:xfrm>
-          <a:off x="0" y="0"/>
-          <a:ext cx="0" cy="0"/>
-          <a:chOff x="0" y="0"/>
-          <a:chExt cx="0" cy="0"/>
-        </a:xfrm>
-      </p:grpSpPr>
-      <p:sp>
-        <p:nvSpPr>
-          <p:cNvPr id="2" name="제목 1">
-            <a:extLst>
-              <a:ext uri="{FF2B5EF4-FFF2-40B4-BE49-F238E27FC236}">
                 <a16:creationId xmlns:a16="http://schemas.microsoft.com/office/drawing/2014/main" id="{635E121A-C147-4DCD-B33A-A80A1310B52C}"/>
               </a:ext>
             </a:extLst>
@@ -6037,7 +5606,7 @@
             <a:fld id="{8B13A9AF-F29E-4D48-BC7C-64D5E028A74A}" type="slidenum">
               <a:rPr lang="ko-KR" altLang="en-US" smtClean="0"/>
               <a:pPr/>
-              <a:t>6</a:t>
+              <a:t>5</a:t>
             </a:fld>
             <a:endParaRPr lang="ko-KR" altLang="en-US" dirty="0"/>
           </a:p>
@@ -6116,7 +5685,7 @@
 </p:sld>
 </file>
 
-<file path=ppt/slides/slide7.xml><?xml version="1.0" encoding="utf-8"?>
+<file path=ppt/slides/slide6.xml><?xml version="1.0" encoding="utf-8"?>
 <p:sld xmlns:a="http://schemas.openxmlformats.org/drawingml/2006/main" xmlns:r="http://schemas.openxmlformats.org/officeDocument/2006/relationships" xmlns:p="http://schemas.openxmlformats.org/presentationml/2006/main">
   <p:cSld>
     <p:spTree>
@@ -6192,7 +5761,7 @@
             <a:fld id="{8B13A9AF-F29E-4D48-BC7C-64D5E028A74A}" type="slidenum">
               <a:rPr lang="ko-KR" altLang="en-US" smtClean="0"/>
               <a:pPr/>
-              <a:t>7</a:t>
+              <a:t>6</a:t>
             </a:fld>
             <a:endParaRPr lang="ko-KR" altLang="en-US" dirty="0"/>
           </a:p>
@@ -6430,7 +5999,7 @@
 </p:sld>
 </file>
 
-<file path=ppt/slides/slide8.xml><?xml version="1.0" encoding="utf-8"?>
+<file path=ppt/slides/slide7.xml><?xml version="1.0" encoding="utf-8"?>
 <p:sld xmlns:a="http://schemas.openxmlformats.org/drawingml/2006/main" xmlns:r="http://schemas.openxmlformats.org/officeDocument/2006/relationships" xmlns:p="http://schemas.openxmlformats.org/presentationml/2006/main">
   <p:cSld>
     <p:spTree>
@@ -6516,7 +6085,7 @@
             <a:fld id="{8B13A9AF-F29E-4D48-BC7C-64D5E028A74A}" type="slidenum">
               <a:rPr lang="ko-KR" altLang="en-US" smtClean="0"/>
               <a:pPr/>
-              <a:t>8</a:t>
+              <a:t>7</a:t>
             </a:fld>
             <a:endParaRPr lang="ko-KR" altLang="en-US" dirty="0"/>
           </a:p>
@@ -6601,7 +6170,7 @@
 </p:sld>
 </file>
 
-<file path=ppt/slides/slide9.xml><?xml version="1.0" encoding="utf-8"?>
+<file path=ppt/slides/slide8.xml><?xml version="1.0" encoding="utf-8"?>
 <p:sld xmlns:a="http://schemas.openxmlformats.org/drawingml/2006/main" xmlns:r="http://schemas.openxmlformats.org/officeDocument/2006/relationships" xmlns:p="http://schemas.openxmlformats.org/presentationml/2006/main">
   <p:cSld>
     <p:spTree>
@@ -6705,7 +6274,7 @@
             <a:fld id="{8B13A9AF-F29E-4D48-BC7C-64D5E028A74A}" type="slidenum">
               <a:rPr lang="ko-KR" altLang="en-US" smtClean="0"/>
               <a:pPr/>
-              <a:t>9</a:t>
+              <a:t>8</a:t>
             </a:fld>
             <a:endParaRPr lang="ko-KR" altLang="en-US" dirty="0"/>
           </a:p>
@@ -6750,6 +6319,132 @@
     <p:extLst>
       <p:ext uri="{BB962C8B-B14F-4D97-AF65-F5344CB8AC3E}">
         <p14:creationId xmlns:p14="http://schemas.microsoft.com/office/powerpoint/2010/main" val="4053304945"/>
+      </p:ext>
+    </p:extLst>
+  </p:cSld>
+  <p:clrMapOvr>
+    <a:masterClrMapping/>
+  </p:clrMapOvr>
+</p:sld>
+</file>
+
+<file path=ppt/slides/slide9.xml><?xml version="1.0" encoding="utf-8"?>
+<p:sld xmlns:a="http://schemas.openxmlformats.org/drawingml/2006/main" xmlns:r="http://schemas.openxmlformats.org/officeDocument/2006/relationships" xmlns:p="http://schemas.openxmlformats.org/presentationml/2006/main">
+  <p:cSld>
+    <p:spTree>
+      <p:nvGrpSpPr>
+        <p:cNvPr id="1" name=""/>
+        <p:cNvGrpSpPr/>
+        <p:nvPr/>
+      </p:nvGrpSpPr>
+      <p:grpSpPr>
+        <a:xfrm>
+          <a:off x="0" y="0"/>
+          <a:ext cx="0" cy="0"/>
+          <a:chOff x="0" y="0"/>
+          <a:chExt cx="0" cy="0"/>
+        </a:xfrm>
+      </p:grpSpPr>
+      <p:sp>
+        <p:nvSpPr>
+          <p:cNvPr id="4" name="슬라이드 번호 개체 틀 3">
+            <a:extLst>
+              <a:ext uri="{FF2B5EF4-FFF2-40B4-BE49-F238E27FC236}">
+                <a16:creationId xmlns:a16="http://schemas.microsoft.com/office/drawing/2014/main" id="{3C545C91-FCA0-4080-BF6E-AD51789CA9FB}"/>
+              </a:ext>
+            </a:extLst>
+          </p:cNvPr>
+          <p:cNvSpPr>
+            <a:spLocks noGrp="1"/>
+          </p:cNvSpPr>
+          <p:nvPr>
+            <p:ph type="sldNum" sz="quarter" idx="12"/>
+          </p:nvPr>
+        </p:nvSpPr>
+        <p:spPr/>
+        <p:txBody>
+          <a:bodyPr/>
+          <a:lstStyle/>
+          <a:p>
+            <a:fld id="{8B13A9AF-F29E-4D48-BC7C-64D5E028A74A}" type="slidenum">
+              <a:rPr lang="ko-KR" altLang="en-US" smtClean="0"/>
+              <a:pPr/>
+              <a:t>9</a:t>
+            </a:fld>
+            <a:endParaRPr lang="ko-KR" altLang="en-US" dirty="0"/>
+          </a:p>
+        </p:txBody>
+      </p:sp>
+      <p:pic>
+        <p:nvPicPr>
+          <p:cNvPr id="7" name="그림 6" descr="그리기이(가) 표시된 사진&#10;&#10;자동 생성된 설명">
+            <a:extLst>
+              <a:ext uri="{FF2B5EF4-FFF2-40B4-BE49-F238E27FC236}">
+                <a16:creationId xmlns:a16="http://schemas.microsoft.com/office/drawing/2014/main" id="{0050AA39-89A2-4221-8825-31BC05649B01}"/>
+              </a:ext>
+            </a:extLst>
+          </p:cNvPr>
+          <p:cNvPicPr>
+            <a:picLocks noChangeAspect="1"/>
+          </p:cNvPicPr>
+          <p:nvPr/>
+        </p:nvPicPr>
+        <p:blipFill>
+          <a:blip r:embed="rId2">
+            <a:extLst>
+              <a:ext uri="{28A0092B-C50C-407E-A947-70E740481C1C}">
+                <a14:useLocalDpi xmlns:a14="http://schemas.microsoft.com/office/drawing/2010/main" val="0"/>
+              </a:ext>
+            </a:extLst>
+          </a:blip>
+          <a:stretch>
+            <a:fillRect/>
+          </a:stretch>
+        </p:blipFill>
+        <p:spPr>
+          <a:xfrm>
+            <a:off x="107504" y="260647"/>
+            <a:ext cx="6445696" cy="1966945"/>
+          </a:xfrm>
+          <a:prstGeom prst="rect">
+            <a:avLst/>
+          </a:prstGeom>
+        </p:spPr>
+      </p:pic>
+      <p:pic>
+        <p:nvPicPr>
+          <p:cNvPr id="2" name="그림 1">
+            <a:extLst>
+              <a:ext uri="{FF2B5EF4-FFF2-40B4-BE49-F238E27FC236}">
+                <a16:creationId xmlns:a16="http://schemas.microsoft.com/office/drawing/2014/main" id="{34F9EA67-06F9-4E73-AFCF-D7502BB4B177}"/>
+              </a:ext>
+            </a:extLst>
+          </p:cNvPr>
+          <p:cNvPicPr>
+            <a:picLocks noChangeAspect="1"/>
+          </p:cNvPicPr>
+          <p:nvPr/>
+        </p:nvPicPr>
+        <p:blipFill>
+          <a:blip r:embed="rId3"/>
+          <a:stretch>
+            <a:fillRect/>
+          </a:stretch>
+        </p:blipFill>
+        <p:spPr>
+          <a:xfrm>
+            <a:off x="1035427" y="2348880"/>
+            <a:ext cx="8108573" cy="4509120"/>
+          </a:xfrm>
+          <a:prstGeom prst="rect">
+            <a:avLst/>
+          </a:prstGeom>
+        </p:spPr>
+      </p:pic>
+    </p:spTree>
+    <p:extLst>
+      <p:ext uri="{BB962C8B-B14F-4D97-AF65-F5344CB8AC3E}">
+        <p14:creationId xmlns:p14="http://schemas.microsoft.com/office/powerpoint/2010/main" val="2765221255"/>
       </p:ext>
     </p:extLst>
   </p:cSld>
